--- a/Training/flms-training.pptx
+++ b/Training/flms-training.pptx
@@ -5,7 +5,7 @@
     <p:sldMasterId id="2147483660" r:id="rId1"/>
   </p:sldMasterIdLst>
   <p:notesMasterIdLst>
-    <p:notesMasterId r:id="rId15"/>
+    <p:notesMasterId r:id="rId21"/>
   </p:notesMasterIdLst>
   <p:sldIdLst>
     <p:sldId id="256" r:id="rId2"/>
@@ -21,6 +21,12 @@
     <p:sldId id="270" r:id="rId12"/>
     <p:sldId id="271" r:id="rId13"/>
     <p:sldId id="259" r:id="rId14"/>
+    <p:sldId id="272" r:id="rId15"/>
+    <p:sldId id="273" r:id="rId16"/>
+    <p:sldId id="274" r:id="rId17"/>
+    <p:sldId id="275" r:id="rId18"/>
+    <p:sldId id="276" r:id="rId19"/>
+    <p:sldId id="277" r:id="rId20"/>
   </p:sldIdLst>
   <p:sldSz cx="9144000" cy="6858000" type="screen4x3"/>
   <p:notesSz cx="6858000" cy="9144000"/>
@@ -1111,13 +1117,18 @@
         <p:spPr/>
         <p:txBody>
           <a:bodyPr/>
-          <a:lstStyle/>
-          <a:p>
-            <a:r>
-              <a:rPr lang="en-US"/>
+          <a:lstStyle>
+            <a:lvl1pPr>
+              <a:defRPr>
+                <a:latin typeface="Yanone Kaffeesatz Regular" panose="02000000000000000000" pitchFamily="2" charset="0"/>
+              </a:defRPr>
+            </a:lvl1pPr>
+          </a:lstStyle>
+          <a:p>
+            <a:r>
+              <a:rPr lang="en-US" dirty="0"/>
               <a:t>Click to edit Master title style</a:t>
             </a:r>
-            <a:endParaRPr lang="en-US" dirty="0"/>
           </a:p>
         </p:txBody>
       </p:sp>
@@ -1312,15 +1323,16 @@
           <a:bodyPr anchor="b"/>
           <a:lstStyle>
             <a:lvl1pPr>
-              <a:defRPr sz="6000"/>
+              <a:defRPr sz="6000">
+                <a:latin typeface="Yanone Kaffeesatz Regular" panose="02000000000000000000" pitchFamily="2" charset="0"/>
+              </a:defRPr>
             </a:lvl1pPr>
           </a:lstStyle>
           <a:p>
             <a:r>
-              <a:rPr lang="en-US"/>
+              <a:rPr lang="en-US" dirty="0"/>
               <a:t>Click to edit Master title style</a:t>
             </a:r>
-            <a:endParaRPr lang="en-US" dirty="0"/>
           </a:p>
         </p:txBody>
       </p:sp>
@@ -1352,6 +1364,7 @@
                 <a:solidFill>
                   <a:schemeClr val="tx1"/>
                 </a:solidFill>
+                <a:latin typeface="Yanone Kaffeesatz Regular" panose="02000000000000000000" pitchFamily="2" charset="0"/>
               </a:defRPr>
             </a:lvl1pPr>
             <a:lvl2pPr marL="457200" indent="0">
@@ -1438,7 +1451,7 @@
           <a:p>
             <a:pPr lvl="0"/>
             <a:r>
-              <a:rPr lang="en-US"/>
+              <a:rPr lang="en-US" dirty="0"/>
               <a:t>Click to edit Master text styles</a:t>
             </a:r>
           </a:p>
@@ -1568,13 +1581,18 @@
         <p:spPr/>
         <p:txBody>
           <a:bodyPr/>
-          <a:lstStyle/>
-          <a:p>
-            <a:r>
-              <a:rPr lang="en-US"/>
+          <a:lstStyle>
+            <a:lvl1pPr>
+              <a:defRPr>
+                <a:latin typeface="Yanone Kaffeesatz Regular" panose="02000000000000000000" pitchFamily="2" charset="0"/>
+              </a:defRPr>
+            </a:lvl1pPr>
+          </a:lstStyle>
+          <a:p>
+            <a:r>
+              <a:rPr lang="en-US" dirty="0"/>
               <a:t>Click to edit Master title style</a:t>
             </a:r>
-            <a:endParaRPr lang="en-US" dirty="0"/>
           </a:p>
         </p:txBody>
       </p:sp>
@@ -1827,13 +1845,18 @@
         </p:spPr>
         <p:txBody>
           <a:bodyPr/>
-          <a:lstStyle/>
-          <a:p>
-            <a:r>
-              <a:rPr lang="en-US"/>
+          <a:lstStyle>
+            <a:lvl1pPr>
+              <a:defRPr>
+                <a:latin typeface="Yanone Kaffeesatz Regular" panose="02000000000000000000" pitchFamily="2" charset="0"/>
+              </a:defRPr>
+            </a:lvl1pPr>
+          </a:lstStyle>
+          <a:p>
+            <a:r>
+              <a:rPr lang="en-US" dirty="0"/>
               <a:t>Click to edit Master title style</a:t>
             </a:r>
-            <a:endParaRPr lang="en-US" dirty="0"/>
           </a:p>
         </p:txBody>
       </p:sp>
@@ -2216,13 +2239,18 @@
         <p:spPr/>
         <p:txBody>
           <a:bodyPr/>
-          <a:lstStyle/>
-          <a:p>
-            <a:r>
-              <a:rPr lang="en-US"/>
+          <a:lstStyle>
+            <a:lvl1pPr>
+              <a:defRPr>
+                <a:latin typeface="Yanone Kaffeesatz Regular" panose="02000000000000000000" pitchFamily="2" charset="0"/>
+              </a:defRPr>
+            </a:lvl1pPr>
+          </a:lstStyle>
+          <a:p>
+            <a:r>
+              <a:rPr lang="en-US" dirty="0"/>
               <a:t>Click to edit Master title style</a:t>
             </a:r>
-            <a:endParaRPr lang="en-US" dirty="0"/>
           </a:p>
         </p:txBody>
       </p:sp>
@@ -3586,6 +3614,13 @@
   <p:clrMapOvr>
     <a:masterClrMapping/>
   </p:clrMapOvr>
+  <p:timing>
+    <p:tnLst>
+      <p:par>
+        <p:cTn id="1" dur="indefinite" restart="never" nodeType="tmRoot"/>
+      </p:par>
+    </p:tnLst>
+  </p:timing>
 </p:sld>
 </file>
 
@@ -3749,6 +3784,13 @@
   <p:clrMapOvr>
     <a:masterClrMapping/>
   </p:clrMapOvr>
+  <p:timing>
+    <p:tnLst>
+      <p:par>
+        <p:cTn id="1" dur="indefinite" restart="never" nodeType="tmRoot"/>
+      </p:par>
+    </p:tnLst>
+  </p:timing>
 </p:sld>
 </file>
 
@@ -3913,6 +3955,13 @@
   <p:clrMapOvr>
     <a:masterClrMapping/>
   </p:clrMapOvr>
+  <p:timing>
+    <p:tnLst>
+      <p:par>
+        <p:cTn id="1" dur="indefinite" restart="never" nodeType="tmRoot"/>
+      </p:par>
+    </p:tnLst>
+  </p:timing>
 </p:sld>
 </file>
 
@@ -4077,6 +4126,13 @@
   <p:clrMapOvr>
     <a:masterClrMapping/>
   </p:clrMapOvr>
+  <p:timing>
+    <p:tnLst>
+      <p:par>
+        <p:cTn id="1" dur="indefinite" restart="never" nodeType="tmRoot"/>
+      </p:par>
+    </p:tnLst>
+  </p:timing>
 </p:sld>
 </file>
 
@@ -4167,6 +4223,981 @@
     <p:extLst>
       <p:ext uri="{BB962C8B-B14F-4D97-AF65-F5344CB8AC3E}">
         <p14:creationId xmlns:p14="http://schemas.microsoft.com/office/powerpoint/2010/main" val="2293809126"/>
+      </p:ext>
+    </p:extLst>
+  </p:cSld>
+  <p:clrMapOvr>
+    <a:masterClrMapping/>
+  </p:clrMapOvr>
+</p:sld>
+</file>
+
+<file path=ppt/slides/slide14.xml><?xml version="1.0" encoding="utf-8"?>
+<p:sld xmlns:a="http://schemas.openxmlformats.org/drawingml/2006/main" xmlns:r="http://schemas.openxmlformats.org/officeDocument/2006/relationships" xmlns:p="http://schemas.openxmlformats.org/presentationml/2006/main">
+  <p:cSld>
+    <p:spTree>
+      <p:nvGrpSpPr>
+        <p:cNvPr id="1" name=""/>
+        <p:cNvGrpSpPr/>
+        <p:nvPr/>
+      </p:nvGrpSpPr>
+      <p:grpSpPr>
+        <a:xfrm>
+          <a:off x="0" y="0"/>
+          <a:ext cx="0" cy="0"/>
+          <a:chOff x="0" y="0"/>
+          <a:chExt cx="0" cy="0"/>
+        </a:xfrm>
+      </p:grpSpPr>
+      <p:sp>
+        <p:nvSpPr>
+          <p:cNvPr id="2" name="Title 1"/>
+          <p:cNvSpPr>
+            <a:spLocks noGrp="1"/>
+          </p:cNvSpPr>
+          <p:nvPr>
+            <p:ph type="title"/>
+          </p:nvPr>
+        </p:nvSpPr>
+        <p:spPr/>
+        <p:txBody>
+          <a:bodyPr/>
+          <a:lstStyle/>
+          <a:p>
+            <a:r>
+              <a:rPr lang="en-SG" dirty="0" smtClean="0"/>
+              <a:t>Let’s run a class…</a:t>
+            </a:r>
+            <a:endParaRPr lang="en-SG" dirty="0"/>
+          </a:p>
+        </p:txBody>
+      </p:sp>
+      <p:sp>
+        <p:nvSpPr>
+          <p:cNvPr id="3" name="Content Placeholder 2"/>
+          <p:cNvSpPr>
+            <a:spLocks noGrp="1"/>
+          </p:cNvSpPr>
+          <p:nvPr>
+            <p:ph idx="1"/>
+          </p:nvPr>
+        </p:nvSpPr>
+        <p:spPr/>
+        <p:txBody>
+          <a:bodyPr/>
+          <a:lstStyle/>
+          <a:p>
+            <a:r>
+              <a:rPr lang="en-SG" dirty="0" smtClean="0"/>
+              <a:t>Class targets</a:t>
+            </a:r>
+          </a:p>
+          <a:p>
+            <a:pPr lvl="1"/>
+            <a:r>
+              <a:rPr lang="en-SG" dirty="0" smtClean="0"/>
+              <a:t>SP internal students</a:t>
+            </a:r>
+          </a:p>
+          <a:p>
+            <a:pPr lvl="1"/>
+            <a:r>
+              <a:rPr lang="en-SG" dirty="0" smtClean="0"/>
+              <a:t>Safety course &amp; Quiz</a:t>
+            </a:r>
+          </a:p>
+          <a:p>
+            <a:pPr lvl="2"/>
+            <a:r>
+              <a:rPr lang="en-SG" dirty="0" smtClean="0"/>
+              <a:t>Course is hosted on ESP</a:t>
+            </a:r>
+          </a:p>
+          <a:p>
+            <a:pPr lvl="2"/>
+            <a:r>
+              <a:rPr lang="en-SG" dirty="0" smtClean="0"/>
+              <a:t>Quiz to be taken and passed at 90%</a:t>
+            </a:r>
+          </a:p>
+          <a:p>
+            <a:pPr lvl="1"/>
+            <a:r>
+              <a:rPr lang="en-SG" dirty="0" smtClean="0"/>
+              <a:t>Introduction to 3D printing (plus certification)</a:t>
+            </a:r>
+          </a:p>
+          <a:p>
+            <a:pPr lvl="2"/>
+            <a:r>
+              <a:rPr lang="en-SG" dirty="0" smtClean="0"/>
+              <a:t>Course run by staff (physically)</a:t>
+            </a:r>
+          </a:p>
+          <a:p>
+            <a:pPr lvl="2"/>
+            <a:r>
+              <a:rPr lang="en-SG" dirty="0" smtClean="0"/>
+              <a:t>Online learning through </a:t>
+            </a:r>
+            <a:r>
+              <a:rPr lang="en-SG" dirty="0" err="1" smtClean="0"/>
+              <a:t>esp</a:t>
+            </a:r>
+            <a:r>
+              <a:rPr lang="en-SG" dirty="0" smtClean="0"/>
+              <a:t>, with quiz</a:t>
+            </a:r>
+          </a:p>
+          <a:p>
+            <a:pPr lvl="2"/>
+            <a:r>
+              <a:rPr lang="en-SG" dirty="0" smtClean="0"/>
+              <a:t>Demo and exercise done by students</a:t>
+            </a:r>
+            <a:endParaRPr lang="en-SG" dirty="0"/>
+          </a:p>
+        </p:txBody>
+      </p:sp>
+      <p:sp>
+        <p:nvSpPr>
+          <p:cNvPr id="4" name="Slide Number Placeholder 3"/>
+          <p:cNvSpPr>
+            <a:spLocks noGrp="1"/>
+          </p:cNvSpPr>
+          <p:nvPr>
+            <p:ph type="sldNum" sz="quarter" idx="12"/>
+          </p:nvPr>
+        </p:nvSpPr>
+        <p:spPr/>
+        <p:txBody>
+          <a:bodyPr/>
+          <a:lstStyle/>
+          <a:p>
+            <a:fld id="{CAB166B3-F268-4CEF-878A-CFB0D0D505D3}" type="slidenum">
+              <a:rPr lang="en-US" smtClean="0"/>
+              <a:t>14</a:t>
+            </a:fld>
+            <a:endParaRPr lang="en-US"/>
+          </a:p>
+        </p:txBody>
+      </p:sp>
+    </p:spTree>
+    <p:extLst>
+      <p:ext uri="{BB962C8B-B14F-4D97-AF65-F5344CB8AC3E}">
+        <p14:creationId xmlns:p14="http://schemas.microsoft.com/office/powerpoint/2010/main" val="2032396666"/>
+      </p:ext>
+    </p:extLst>
+  </p:cSld>
+  <p:clrMapOvr>
+    <a:masterClrMapping/>
+  </p:clrMapOvr>
+</p:sld>
+</file>
+
+<file path=ppt/slides/slide15.xml><?xml version="1.0" encoding="utf-8"?>
+<p:sld xmlns:a="http://schemas.openxmlformats.org/drawingml/2006/main" xmlns:r="http://schemas.openxmlformats.org/officeDocument/2006/relationships" xmlns:p="http://schemas.openxmlformats.org/presentationml/2006/main">
+  <p:cSld>
+    <p:spTree>
+      <p:nvGrpSpPr>
+        <p:cNvPr id="1" name=""/>
+        <p:cNvGrpSpPr/>
+        <p:nvPr/>
+      </p:nvGrpSpPr>
+      <p:grpSpPr>
+        <a:xfrm>
+          <a:off x="0" y="0"/>
+          <a:ext cx="0" cy="0"/>
+          <a:chOff x="0" y="0"/>
+          <a:chExt cx="0" cy="0"/>
+        </a:xfrm>
+      </p:grpSpPr>
+      <p:sp>
+        <p:nvSpPr>
+          <p:cNvPr id="2" name="Title 1"/>
+          <p:cNvSpPr>
+            <a:spLocks noGrp="1"/>
+          </p:cNvSpPr>
+          <p:nvPr>
+            <p:ph type="title"/>
+          </p:nvPr>
+        </p:nvSpPr>
+        <p:spPr/>
+        <p:txBody>
+          <a:bodyPr/>
+          <a:lstStyle/>
+          <a:p>
+            <a:r>
+              <a:rPr lang="en-SG" dirty="0" smtClean="0"/>
+              <a:t>Background setup</a:t>
+            </a:r>
+            <a:endParaRPr lang="en-SG" dirty="0"/>
+          </a:p>
+        </p:txBody>
+      </p:sp>
+      <p:sp>
+        <p:nvSpPr>
+          <p:cNvPr id="3" name="Content Placeholder 2"/>
+          <p:cNvSpPr>
+            <a:spLocks noGrp="1"/>
+          </p:cNvSpPr>
+          <p:nvPr>
+            <p:ph idx="1"/>
+          </p:nvPr>
+        </p:nvSpPr>
+        <p:spPr/>
+        <p:txBody>
+          <a:bodyPr/>
+          <a:lstStyle/>
+          <a:p>
+            <a:r>
+              <a:rPr lang="en-SG" dirty="0" smtClean="0"/>
+              <a:t>Check that the course categories exist</a:t>
+            </a:r>
+          </a:p>
+          <a:p>
+            <a:pPr lvl="1"/>
+            <a:r>
+              <a:rPr lang="en-SG" dirty="0" smtClean="0"/>
+              <a:t>Safety Internal (Basic)</a:t>
+            </a:r>
+          </a:p>
+          <a:p>
+            <a:pPr lvl="1"/>
+            <a:r>
+              <a:rPr lang="en-SG" dirty="0" smtClean="0"/>
+              <a:t>3D Printing Internal</a:t>
+            </a:r>
+          </a:p>
+          <a:p>
+            <a:r>
+              <a:rPr lang="en-SG" dirty="0" smtClean="0"/>
+              <a:t>Create schedules for your course</a:t>
+            </a:r>
+          </a:p>
+          <a:p>
+            <a:pPr lvl="1"/>
+            <a:r>
+              <a:rPr lang="en-SG" dirty="0" smtClean="0"/>
+              <a:t>Assume class is run from 10:00am – 12:00pm</a:t>
+            </a:r>
+          </a:p>
+          <a:p>
+            <a:pPr lvl="1"/>
+            <a:r>
+              <a:rPr lang="en-SG" dirty="0" smtClean="0"/>
+              <a:t>Safety basic e.g. 10:30am ~ 10:45am</a:t>
+            </a:r>
+          </a:p>
+          <a:p>
+            <a:pPr lvl="1"/>
+            <a:r>
+              <a:rPr lang="en-SG" dirty="0" smtClean="0"/>
+              <a:t>3D Printing basic 11:00am ~ 12:00pm</a:t>
+            </a:r>
+            <a:endParaRPr lang="en-SG" dirty="0"/>
+          </a:p>
+        </p:txBody>
+      </p:sp>
+      <p:sp>
+        <p:nvSpPr>
+          <p:cNvPr id="4" name="Slide Number Placeholder 3"/>
+          <p:cNvSpPr>
+            <a:spLocks noGrp="1"/>
+          </p:cNvSpPr>
+          <p:nvPr>
+            <p:ph type="sldNum" sz="quarter" idx="12"/>
+          </p:nvPr>
+        </p:nvSpPr>
+        <p:spPr/>
+        <p:txBody>
+          <a:bodyPr/>
+          <a:lstStyle/>
+          <a:p>
+            <a:fld id="{CAB166B3-F268-4CEF-878A-CFB0D0D505D3}" type="slidenum">
+              <a:rPr lang="en-US" smtClean="0"/>
+              <a:t>15</a:t>
+            </a:fld>
+            <a:endParaRPr lang="en-US"/>
+          </a:p>
+        </p:txBody>
+      </p:sp>
+    </p:spTree>
+    <p:extLst>
+      <p:ext uri="{BB962C8B-B14F-4D97-AF65-F5344CB8AC3E}">
+        <p14:creationId xmlns:p14="http://schemas.microsoft.com/office/powerpoint/2010/main" val="91108195"/>
+      </p:ext>
+    </p:extLst>
+  </p:cSld>
+  <p:clrMapOvr>
+    <a:masterClrMapping/>
+  </p:clrMapOvr>
+</p:sld>
+</file>
+
+<file path=ppt/slides/slide16.xml><?xml version="1.0" encoding="utf-8"?>
+<p:sld xmlns:a="http://schemas.openxmlformats.org/drawingml/2006/main" xmlns:r="http://schemas.openxmlformats.org/officeDocument/2006/relationships" xmlns:p="http://schemas.openxmlformats.org/presentationml/2006/main">
+  <p:cSld>
+    <p:spTree>
+      <p:nvGrpSpPr>
+        <p:cNvPr id="1" name=""/>
+        <p:cNvGrpSpPr/>
+        <p:nvPr/>
+      </p:nvGrpSpPr>
+      <p:grpSpPr>
+        <a:xfrm>
+          <a:off x="0" y="0"/>
+          <a:ext cx="0" cy="0"/>
+          <a:chOff x="0" y="0"/>
+          <a:chExt cx="0" cy="0"/>
+        </a:xfrm>
+      </p:grpSpPr>
+      <p:sp>
+        <p:nvSpPr>
+          <p:cNvPr id="2" name="Title 1"/>
+          <p:cNvSpPr>
+            <a:spLocks noGrp="1"/>
+          </p:cNvSpPr>
+          <p:nvPr>
+            <p:ph type="title"/>
+          </p:nvPr>
+        </p:nvSpPr>
+        <p:spPr/>
+        <p:txBody>
+          <a:bodyPr/>
+          <a:lstStyle/>
+          <a:p>
+            <a:r>
+              <a:rPr lang="en-SG" dirty="0" smtClean="0"/>
+              <a:t>Class registration</a:t>
+            </a:r>
+            <a:endParaRPr lang="en-SG" dirty="0"/>
+          </a:p>
+        </p:txBody>
+      </p:sp>
+      <p:sp>
+        <p:nvSpPr>
+          <p:cNvPr id="3" name="Content Placeholder 2"/>
+          <p:cNvSpPr>
+            <a:spLocks noGrp="1"/>
+          </p:cNvSpPr>
+          <p:nvPr>
+            <p:ph idx="1"/>
+          </p:nvPr>
+        </p:nvSpPr>
+        <p:spPr/>
+        <p:txBody>
+          <a:bodyPr/>
+          <a:lstStyle/>
+          <a:p>
+            <a:r>
+              <a:rPr lang="en-SG" dirty="0" smtClean="0"/>
+              <a:t>Class starts at 10:00am</a:t>
+            </a:r>
+          </a:p>
+          <a:p>
+            <a:r>
+              <a:rPr lang="en-SG" dirty="0" smtClean="0"/>
+              <a:t>Self registration at flms.sp.edu.sg</a:t>
+            </a:r>
+          </a:p>
+          <a:p>
+            <a:pPr lvl="1"/>
+            <a:r>
+              <a:rPr lang="en-SG" dirty="0" smtClean="0"/>
+              <a:t>Use digital device (phone, </a:t>
+            </a:r>
+            <a:r>
+              <a:rPr lang="en-SG" dirty="0" err="1" smtClean="0"/>
+              <a:t>ipad</a:t>
+            </a:r>
+            <a:r>
+              <a:rPr lang="en-SG" dirty="0" smtClean="0"/>
+              <a:t>, laptop)</a:t>
+            </a:r>
+          </a:p>
+          <a:p>
+            <a:pPr lvl="1"/>
+            <a:r>
+              <a:rPr lang="en-SG" dirty="0" smtClean="0"/>
+              <a:t>Student enters phone number, email, photo (profile)</a:t>
+            </a:r>
+          </a:p>
+          <a:p>
+            <a:r>
+              <a:rPr lang="en-SG" dirty="0" smtClean="0"/>
+              <a:t>Self registration for Safety Course</a:t>
+            </a:r>
+          </a:p>
+          <a:p>
+            <a:pPr lvl="1"/>
+            <a:r>
+              <a:rPr lang="en-SG" dirty="0" smtClean="0"/>
+              <a:t>Check that it is the correct course</a:t>
+            </a:r>
+          </a:p>
+          <a:p>
+            <a:pPr lvl="1"/>
+            <a:r>
+              <a:rPr lang="en-SG" dirty="0" smtClean="0"/>
+              <a:t>Register</a:t>
+            </a:r>
+          </a:p>
+          <a:p>
+            <a:r>
+              <a:rPr lang="en-SG" dirty="0" smtClean="0">
+                <a:solidFill>
+                  <a:srgbClr val="FF0000"/>
+                </a:solidFill>
+              </a:rPr>
+              <a:t>Conduct</a:t>
+            </a:r>
+            <a:r>
+              <a:rPr lang="en-SG" dirty="0" smtClean="0"/>
+              <a:t> the safety course</a:t>
+            </a:r>
+          </a:p>
+          <a:p>
+            <a:pPr lvl="1"/>
+            <a:r>
+              <a:rPr lang="en-SG" dirty="0" smtClean="0"/>
+              <a:t>Check the attendance</a:t>
+            </a:r>
+          </a:p>
+          <a:p>
+            <a:pPr lvl="1"/>
+            <a:r>
+              <a:rPr lang="en-SG" dirty="0" smtClean="0"/>
+              <a:t>Mark attendance and award “Pass” grade</a:t>
+            </a:r>
+            <a:endParaRPr lang="en-SG" dirty="0"/>
+          </a:p>
+        </p:txBody>
+      </p:sp>
+      <p:sp>
+        <p:nvSpPr>
+          <p:cNvPr id="4" name="Slide Number Placeholder 3"/>
+          <p:cNvSpPr>
+            <a:spLocks noGrp="1"/>
+          </p:cNvSpPr>
+          <p:nvPr>
+            <p:ph type="sldNum" sz="quarter" idx="12"/>
+          </p:nvPr>
+        </p:nvSpPr>
+        <p:spPr/>
+        <p:txBody>
+          <a:bodyPr/>
+          <a:lstStyle/>
+          <a:p>
+            <a:fld id="{CAB166B3-F268-4CEF-878A-CFB0D0D505D3}" type="slidenum">
+              <a:rPr lang="en-US" smtClean="0"/>
+              <a:t>16</a:t>
+            </a:fld>
+            <a:endParaRPr lang="en-US"/>
+          </a:p>
+        </p:txBody>
+      </p:sp>
+    </p:spTree>
+    <p:extLst>
+      <p:ext uri="{BB962C8B-B14F-4D97-AF65-F5344CB8AC3E}">
+        <p14:creationId xmlns:p14="http://schemas.microsoft.com/office/powerpoint/2010/main" val="2570869900"/>
+      </p:ext>
+    </p:extLst>
+  </p:cSld>
+  <p:clrMapOvr>
+    <a:masterClrMapping/>
+  </p:clrMapOvr>
+</p:sld>
+</file>
+
+<file path=ppt/slides/slide17.xml><?xml version="1.0" encoding="utf-8"?>
+<p:sld xmlns:a="http://schemas.openxmlformats.org/drawingml/2006/main" xmlns:r="http://schemas.openxmlformats.org/officeDocument/2006/relationships" xmlns:p="http://schemas.openxmlformats.org/presentationml/2006/main">
+  <p:cSld>
+    <p:spTree>
+      <p:nvGrpSpPr>
+        <p:cNvPr id="1" name=""/>
+        <p:cNvGrpSpPr/>
+        <p:nvPr/>
+      </p:nvGrpSpPr>
+      <p:grpSpPr>
+        <a:xfrm>
+          <a:off x="0" y="0"/>
+          <a:ext cx="0" cy="0"/>
+          <a:chOff x="0" y="0"/>
+          <a:chExt cx="0" cy="0"/>
+        </a:xfrm>
+      </p:grpSpPr>
+      <p:sp>
+        <p:nvSpPr>
+          <p:cNvPr id="2" name="Title 1"/>
+          <p:cNvSpPr>
+            <a:spLocks noGrp="1"/>
+          </p:cNvSpPr>
+          <p:nvPr>
+            <p:ph type="title"/>
+          </p:nvPr>
+        </p:nvSpPr>
+        <p:spPr/>
+        <p:txBody>
+          <a:bodyPr/>
+          <a:lstStyle/>
+          <a:p>
+            <a:r>
+              <a:rPr lang="en-SG" dirty="0" smtClean="0"/>
+              <a:t>3D Printing course</a:t>
+            </a:r>
+            <a:endParaRPr lang="en-SG" dirty="0"/>
+          </a:p>
+        </p:txBody>
+      </p:sp>
+      <p:sp>
+        <p:nvSpPr>
+          <p:cNvPr id="3" name="Content Placeholder 2"/>
+          <p:cNvSpPr>
+            <a:spLocks noGrp="1"/>
+          </p:cNvSpPr>
+          <p:nvPr>
+            <p:ph idx="1"/>
+          </p:nvPr>
+        </p:nvSpPr>
+        <p:spPr/>
+        <p:txBody>
+          <a:bodyPr/>
+          <a:lstStyle/>
+          <a:p>
+            <a:r>
+              <a:rPr lang="en-SG" dirty="0" smtClean="0"/>
+              <a:t>After passing the Safety class, ask students to register for the 3D printing class</a:t>
+            </a:r>
+          </a:p>
+          <a:p>
+            <a:r>
+              <a:rPr lang="en-SG" dirty="0" smtClean="0"/>
+              <a:t>Conduct the class</a:t>
+            </a:r>
+          </a:p>
+          <a:p>
+            <a:pPr lvl="1"/>
+            <a:r>
+              <a:rPr lang="en-SG" dirty="0" smtClean="0"/>
+              <a:t>E-learning lesson</a:t>
+            </a:r>
+          </a:p>
+          <a:p>
+            <a:pPr lvl="1"/>
+            <a:r>
+              <a:rPr lang="en-SG" dirty="0" smtClean="0"/>
+              <a:t>Physical demonstration &amp; application</a:t>
+            </a:r>
+          </a:p>
+          <a:p>
+            <a:r>
+              <a:rPr lang="en-SG" dirty="0" smtClean="0"/>
+              <a:t>Mark attendance and pass the students</a:t>
+            </a:r>
+          </a:p>
+          <a:p>
+            <a:pPr lvl="1"/>
+            <a:r>
+              <a:rPr lang="en-SG" dirty="0" smtClean="0"/>
+              <a:t>Students should now be able to book the 3D printers</a:t>
+            </a:r>
+            <a:endParaRPr lang="en-SG" dirty="0"/>
+          </a:p>
+        </p:txBody>
+      </p:sp>
+      <p:sp>
+        <p:nvSpPr>
+          <p:cNvPr id="4" name="Slide Number Placeholder 3"/>
+          <p:cNvSpPr>
+            <a:spLocks noGrp="1"/>
+          </p:cNvSpPr>
+          <p:nvPr>
+            <p:ph type="sldNum" sz="quarter" idx="12"/>
+          </p:nvPr>
+        </p:nvSpPr>
+        <p:spPr/>
+        <p:txBody>
+          <a:bodyPr/>
+          <a:lstStyle/>
+          <a:p>
+            <a:fld id="{CAB166B3-F268-4CEF-878A-CFB0D0D505D3}" type="slidenum">
+              <a:rPr lang="en-US" smtClean="0"/>
+              <a:t>17</a:t>
+            </a:fld>
+            <a:endParaRPr lang="en-US"/>
+          </a:p>
+        </p:txBody>
+      </p:sp>
+    </p:spTree>
+    <p:extLst>
+      <p:ext uri="{BB962C8B-B14F-4D97-AF65-F5344CB8AC3E}">
+        <p14:creationId xmlns:p14="http://schemas.microsoft.com/office/powerpoint/2010/main" val="1331251214"/>
+      </p:ext>
+    </p:extLst>
+  </p:cSld>
+  <p:clrMapOvr>
+    <a:masterClrMapping/>
+  </p:clrMapOvr>
+</p:sld>
+</file>
+
+<file path=ppt/slides/slide18.xml><?xml version="1.0" encoding="utf-8"?>
+<p:sld xmlns:a="http://schemas.openxmlformats.org/drawingml/2006/main" xmlns:r="http://schemas.openxmlformats.org/officeDocument/2006/relationships" xmlns:p="http://schemas.openxmlformats.org/presentationml/2006/main">
+  <p:cSld>
+    <p:spTree>
+      <p:nvGrpSpPr>
+        <p:cNvPr id="1" name=""/>
+        <p:cNvGrpSpPr/>
+        <p:nvPr/>
+      </p:nvGrpSpPr>
+      <p:grpSpPr>
+        <a:xfrm>
+          <a:off x="0" y="0"/>
+          <a:ext cx="0" cy="0"/>
+          <a:chOff x="0" y="0"/>
+          <a:chExt cx="0" cy="0"/>
+        </a:xfrm>
+      </p:grpSpPr>
+      <p:sp>
+        <p:nvSpPr>
+          <p:cNvPr id="2" name="Title 1"/>
+          <p:cNvSpPr>
+            <a:spLocks noGrp="1"/>
+          </p:cNvSpPr>
+          <p:nvPr>
+            <p:ph type="title"/>
+          </p:nvPr>
+        </p:nvSpPr>
+        <p:spPr/>
+        <p:txBody>
+          <a:bodyPr/>
+          <a:lstStyle/>
+          <a:p>
+            <a:r>
+              <a:rPr lang="en-SG" dirty="0" smtClean="0"/>
+              <a:t>Equipment Category</a:t>
+            </a:r>
+            <a:endParaRPr lang="en-SG" dirty="0"/>
+          </a:p>
+        </p:txBody>
+      </p:sp>
+      <p:sp>
+        <p:nvSpPr>
+          <p:cNvPr id="3" name="Content Placeholder 2"/>
+          <p:cNvSpPr>
+            <a:spLocks noGrp="1"/>
+          </p:cNvSpPr>
+          <p:nvPr>
+            <p:ph idx="1"/>
+          </p:nvPr>
+        </p:nvSpPr>
+        <p:spPr>
+          <a:xfrm>
+            <a:off x="628650" y="1825625"/>
+            <a:ext cx="7886700" cy="2085363"/>
+          </a:xfrm>
+        </p:spPr>
+        <p:txBody>
+          <a:bodyPr/>
+          <a:lstStyle/>
+          <a:p>
+            <a:r>
+              <a:rPr lang="en-SG" dirty="0" smtClean="0"/>
+              <a:t>Naming convention:</a:t>
+            </a:r>
+          </a:p>
+          <a:p>
+            <a:pPr lvl="1"/>
+            <a:r>
+              <a:rPr lang="en-SG" dirty="0" smtClean="0"/>
+              <a:t>3DP		equipment type</a:t>
+            </a:r>
+          </a:p>
+          <a:p>
+            <a:pPr lvl="1"/>
+            <a:r>
+              <a:rPr lang="en-SG" dirty="0" smtClean="0"/>
+              <a:t>Ultimaker2P	name</a:t>
+            </a:r>
+          </a:p>
+          <a:p>
+            <a:pPr lvl="1"/>
+            <a:r>
+              <a:rPr lang="en-SG" dirty="0" smtClean="0"/>
+              <a:t>14		location - MS,11C,14</a:t>
+            </a:r>
+          </a:p>
+          <a:p>
+            <a:pPr lvl="1"/>
+            <a:r>
+              <a:rPr lang="en-SG" dirty="0" smtClean="0"/>
+              <a:t>01		number - ##</a:t>
+            </a:r>
+            <a:endParaRPr lang="en-SG" dirty="0"/>
+          </a:p>
+        </p:txBody>
+      </p:sp>
+      <p:sp>
+        <p:nvSpPr>
+          <p:cNvPr id="4" name="Slide Number Placeholder 3"/>
+          <p:cNvSpPr>
+            <a:spLocks noGrp="1"/>
+          </p:cNvSpPr>
+          <p:nvPr>
+            <p:ph type="sldNum" sz="quarter" idx="12"/>
+          </p:nvPr>
+        </p:nvSpPr>
+        <p:spPr/>
+        <p:txBody>
+          <a:bodyPr/>
+          <a:lstStyle/>
+          <a:p>
+            <a:fld id="{CAB166B3-F268-4CEF-878A-CFB0D0D505D3}" type="slidenum">
+              <a:rPr lang="en-US" smtClean="0"/>
+              <a:t>18</a:t>
+            </a:fld>
+            <a:endParaRPr lang="en-US"/>
+          </a:p>
+        </p:txBody>
+      </p:sp>
+      <p:sp>
+        <p:nvSpPr>
+          <p:cNvPr id="5" name="TextBox 4"/>
+          <p:cNvSpPr txBox="1"/>
+          <p:nvPr/>
+        </p:nvSpPr>
+        <p:spPr>
+          <a:xfrm>
+            <a:off x="892366" y="4164173"/>
+            <a:ext cx="3100144" cy="1938992"/>
+          </a:xfrm>
+          <a:prstGeom prst="rect">
+            <a:avLst/>
+          </a:prstGeom>
+          <a:solidFill>
+            <a:schemeClr val="accent4">
+              <a:lumMod val="20000"/>
+              <a:lumOff val="80000"/>
+            </a:schemeClr>
+          </a:solidFill>
+        </p:spPr>
+        <p:txBody>
+          <a:bodyPr wrap="none" rtlCol="0">
+            <a:spAutoFit/>
+          </a:bodyPr>
+          <a:lstStyle/>
+          <a:p>
+            <a:r>
+              <a:rPr lang="en-SG" sz="2400" dirty="0" smtClean="0"/>
+              <a:t>3DP-Ultimaker-14-01</a:t>
+            </a:r>
+          </a:p>
+          <a:p>
+            <a:r>
+              <a:rPr lang="en-SG" sz="2400" dirty="0" smtClean="0"/>
+              <a:t>3DP-Ultimaker-11C-01</a:t>
+            </a:r>
+          </a:p>
+          <a:p>
+            <a:endParaRPr lang="en-SG" sz="2400" dirty="0"/>
+          </a:p>
+          <a:p>
+            <a:r>
+              <a:rPr lang="en-SG" sz="2400" dirty="0" smtClean="0"/>
+              <a:t>LC-EpilogM2-11C-01</a:t>
+            </a:r>
+          </a:p>
+          <a:p>
+            <a:r>
+              <a:rPr lang="en-SG" sz="2400" dirty="0" smtClean="0"/>
+              <a:t>LC-Universal660-MS-01</a:t>
+            </a:r>
+            <a:endParaRPr lang="en-SG" sz="2400" dirty="0"/>
+          </a:p>
+        </p:txBody>
+      </p:sp>
+    </p:spTree>
+    <p:extLst>
+      <p:ext uri="{BB962C8B-B14F-4D97-AF65-F5344CB8AC3E}">
+        <p14:creationId xmlns:p14="http://schemas.microsoft.com/office/powerpoint/2010/main" val="1350555783"/>
+      </p:ext>
+    </p:extLst>
+  </p:cSld>
+  <p:clrMapOvr>
+    <a:masterClrMapping/>
+  </p:clrMapOvr>
+</p:sld>
+</file>
+
+<file path=ppt/slides/slide19.xml><?xml version="1.0" encoding="utf-8"?>
+<p:sld xmlns:a="http://schemas.openxmlformats.org/drawingml/2006/main" xmlns:r="http://schemas.openxmlformats.org/officeDocument/2006/relationships" xmlns:p="http://schemas.openxmlformats.org/presentationml/2006/main">
+  <p:cSld>
+    <p:spTree>
+      <p:nvGrpSpPr>
+        <p:cNvPr id="1" name=""/>
+        <p:cNvGrpSpPr/>
+        <p:nvPr/>
+      </p:nvGrpSpPr>
+      <p:grpSpPr>
+        <a:xfrm>
+          <a:off x="0" y="0"/>
+          <a:ext cx="0" cy="0"/>
+          <a:chOff x="0" y="0"/>
+          <a:chExt cx="0" cy="0"/>
+        </a:xfrm>
+      </p:grpSpPr>
+      <p:sp>
+        <p:nvSpPr>
+          <p:cNvPr id="2" name="Title 1"/>
+          <p:cNvSpPr>
+            <a:spLocks noGrp="1"/>
+          </p:cNvSpPr>
+          <p:nvPr>
+            <p:ph type="title"/>
+          </p:nvPr>
+        </p:nvSpPr>
+        <p:spPr/>
+        <p:txBody>
+          <a:bodyPr/>
+          <a:lstStyle/>
+          <a:p>
+            <a:r>
+              <a:rPr lang="en-SG" dirty="0" smtClean="0"/>
+              <a:t>Courses</a:t>
+            </a:r>
+            <a:endParaRPr lang="en-SG" dirty="0"/>
+          </a:p>
+        </p:txBody>
+      </p:sp>
+      <p:sp>
+        <p:nvSpPr>
+          <p:cNvPr id="3" name="Content Placeholder 2"/>
+          <p:cNvSpPr>
+            <a:spLocks noGrp="1"/>
+          </p:cNvSpPr>
+          <p:nvPr>
+            <p:ph idx="1"/>
+          </p:nvPr>
+        </p:nvSpPr>
+        <p:spPr>
+          <a:xfrm>
+            <a:off x="628650" y="1528170"/>
+            <a:ext cx="7886700" cy="4718394"/>
+          </a:xfrm>
+        </p:spPr>
+        <p:txBody>
+          <a:bodyPr/>
+          <a:lstStyle/>
+          <a:p>
+            <a:r>
+              <a:rPr lang="en-SG" sz="2400" dirty="0" smtClean="0"/>
+              <a:t>Course name e.g. 3D Printing</a:t>
+            </a:r>
+          </a:p>
+          <a:p>
+            <a:r>
+              <a:rPr lang="en-SG" sz="2400" dirty="0" smtClean="0"/>
+              <a:t>Course type:</a:t>
+            </a:r>
+          </a:p>
+          <a:p>
+            <a:pPr lvl="1"/>
+            <a:r>
+              <a:rPr lang="en-SG" sz="2000" dirty="0" smtClean="0"/>
+              <a:t>Internal</a:t>
+            </a:r>
+          </a:p>
+          <a:p>
+            <a:pPr lvl="1"/>
+            <a:r>
+              <a:rPr lang="en-SG" sz="2000" dirty="0" smtClean="0"/>
+              <a:t>External</a:t>
+            </a:r>
+          </a:p>
+          <a:p>
+            <a:pPr lvl="1"/>
+            <a:r>
+              <a:rPr lang="en-SG" sz="2000" dirty="0" smtClean="0"/>
+              <a:t>Private, Staff, Project</a:t>
+            </a:r>
+          </a:p>
+          <a:p>
+            <a:r>
+              <a:rPr lang="en-SG" sz="2400" dirty="0" smtClean="0"/>
+              <a:t>Important:</a:t>
+            </a:r>
+          </a:p>
+          <a:p>
+            <a:pPr lvl="1"/>
+            <a:r>
+              <a:rPr lang="en-SG" sz="2000" dirty="0" smtClean="0"/>
+              <a:t>Skill requirement e.g. Safety (Basic)</a:t>
+            </a:r>
+          </a:p>
+          <a:p>
+            <a:pPr lvl="1"/>
+            <a:r>
+              <a:rPr lang="en-SG" sz="2000" dirty="0" smtClean="0"/>
+              <a:t>Skill achieved e.g. 3D Printing (Basic)</a:t>
+            </a:r>
+          </a:p>
+          <a:p>
+            <a:r>
+              <a:rPr lang="en-SG" sz="2400" dirty="0" smtClean="0"/>
+              <a:t>Credits achieved</a:t>
+            </a:r>
+          </a:p>
+          <a:p>
+            <a:pPr lvl="1"/>
+            <a:r>
+              <a:rPr lang="en-SG" sz="2000" dirty="0" smtClean="0"/>
+              <a:t>Safety		50</a:t>
+            </a:r>
+          </a:p>
+          <a:p>
+            <a:pPr lvl="1"/>
+            <a:r>
+              <a:rPr lang="en-SG" sz="2000" dirty="0" smtClean="0"/>
+              <a:t>3D Printing	100	(cost/hr: 6 credits)</a:t>
+            </a:r>
+          </a:p>
+          <a:p>
+            <a:pPr lvl="1"/>
+            <a:r>
+              <a:rPr lang="en-SG" sz="2000" dirty="0" smtClean="0"/>
+              <a:t>Laser cutting	200	(cost/hr: 48 credits)</a:t>
+            </a:r>
+          </a:p>
+        </p:txBody>
+      </p:sp>
+      <p:sp>
+        <p:nvSpPr>
+          <p:cNvPr id="4" name="Slide Number Placeholder 3"/>
+          <p:cNvSpPr>
+            <a:spLocks noGrp="1"/>
+          </p:cNvSpPr>
+          <p:nvPr>
+            <p:ph type="sldNum" sz="quarter" idx="12"/>
+          </p:nvPr>
+        </p:nvSpPr>
+        <p:spPr/>
+        <p:txBody>
+          <a:bodyPr/>
+          <a:lstStyle/>
+          <a:p>
+            <a:fld id="{CAB166B3-F268-4CEF-878A-CFB0D0D505D3}" type="slidenum">
+              <a:rPr lang="en-US" smtClean="0"/>
+              <a:t>19</a:t>
+            </a:fld>
+            <a:endParaRPr lang="en-US"/>
+          </a:p>
+        </p:txBody>
+      </p:sp>
+    </p:spTree>
+    <p:extLst>
+      <p:ext uri="{BB962C8B-B14F-4D97-AF65-F5344CB8AC3E}">
+        <p14:creationId xmlns:p14="http://schemas.microsoft.com/office/powerpoint/2010/main" val="4077570822"/>
       </p:ext>
     </p:extLst>
   </p:cSld>
@@ -4294,17 +5325,18 @@
           </a:p>
           <a:p>
             <a:r>
+              <a:rPr lang="en-SG" sz="2400" dirty="0" smtClean="0"/>
+              <a:t>AWS GCC Cloud-based </a:t>
+            </a:r>
+            <a:r>
               <a:rPr lang="en-SG" sz="2400" dirty="0"/>
-              <a:t>1</a:t>
-            </a:r>
-            <a:r>
-              <a:rPr lang="en-SG" sz="2400" baseline="30000" dirty="0"/>
-              <a:t>st</a:t>
-            </a:r>
-            <a:r>
-              <a:rPr lang="en-SG" sz="2400" dirty="0"/>
-              <a:t> Cloud-based system by SP</a:t>
-            </a:r>
+              <a:t>system by </a:t>
+            </a:r>
+            <a:r>
+              <a:rPr lang="en-SG" sz="2400" dirty="0" smtClean="0"/>
+              <a:t>SP</a:t>
+            </a:r>
+            <a:endParaRPr lang="en-SG" sz="2400" dirty="0"/>
           </a:p>
           <a:p>
             <a:pPr marL="457200" lvl="1" indent="0">
@@ -4353,6 +5385,13 @@
   <p:clrMapOvr>
     <a:masterClrMapping/>
   </p:clrMapOvr>
+  <p:timing>
+    <p:tnLst>
+      <p:par>
+        <p:cTn id="1" dur="indefinite" restart="never" nodeType="tmRoot"/>
+      </p:par>
+    </p:tnLst>
+  </p:timing>
 </p:sld>
 </file>
 
@@ -4395,10 +5434,14 @@
           <a:lstStyle/>
           <a:p>
             <a:r>
-              <a:rPr lang="en-SG" dirty="0"/>
+              <a:rPr lang="en-SG" dirty="0">
+                <a:latin typeface="Yanone Kaffeesatz SemiBold"/>
+              </a:rPr>
               <a:t>Users</a:t>
             </a:r>
-            <a:endParaRPr lang="en-US" dirty="0"/>
+            <a:endParaRPr lang="en-US" dirty="0">
+              <a:latin typeface="Yanone Kaffeesatz SemiBold"/>
+            </a:endParaRPr>
           </a:p>
         </p:txBody>
       </p:sp>
@@ -4784,6 +5827,13 @@
   <p:clrMapOvr>
     <a:masterClrMapping/>
   </p:clrMapOvr>
+  <p:timing>
+    <p:tnLst>
+      <p:par>
+        <p:cTn id="1" dur="indefinite" restart="never" nodeType="tmRoot"/>
+      </p:par>
+    </p:tnLst>
+  </p:timing>
 </p:sld>
 </file>
 
@@ -4975,7 +6025,7 @@
         <p:spPr>
           <a:xfrm>
             <a:off x="4058734" y="1579754"/>
-            <a:ext cx="1702710" cy="523220"/>
+            <a:ext cx="1754006" cy="523220"/>
           </a:xfrm>
           <a:prstGeom prst="rect">
             <a:avLst/>
@@ -4990,14 +6040,14 @@
           <a:p>
             <a:r>
               <a:rPr lang="en-SG" sz="2800" dirty="0">
-                <a:latin typeface="Yanone Kaffeesatz SemiBold" pitchFamily="2" charset="0"/>
+                <a:latin typeface="Yanone Kaffeesatz Regular" panose="02000000000000000000" pitchFamily="2" charset="0"/>
                 <a:ea typeface="+mj-ea"/>
                 <a:cs typeface="+mj-cs"/>
               </a:rPr>
               <a:t>System Admin</a:t>
             </a:r>
             <a:endParaRPr lang="en-US" sz="2800" dirty="0">
-              <a:latin typeface="Yanone Kaffeesatz SemiBold" pitchFamily="2" charset="0"/>
+              <a:latin typeface="Yanone Kaffeesatz Regular" panose="02000000000000000000" pitchFamily="2" charset="0"/>
               <a:ea typeface="+mj-ea"/>
               <a:cs typeface="+mj-cs"/>
             </a:endParaRPr>
@@ -5219,7 +6269,7 @@
         <p:spPr>
           <a:xfrm>
             <a:off x="4409733" y="3618108"/>
-            <a:ext cx="840295" cy="461665"/>
+            <a:ext cx="965329" cy="523220"/>
           </a:xfrm>
           <a:prstGeom prst="rect">
             <a:avLst/>
@@ -5233,15 +6283,15 @@
           <a:lstStyle/>
           <a:p>
             <a:r>
-              <a:rPr lang="en-SG" sz="2400" dirty="0">
-                <a:latin typeface="Yanone Kaffeesatz SemiBold" pitchFamily="2" charset="0"/>
+              <a:rPr lang="en-SG" sz="2800" dirty="0">
+                <a:latin typeface="Yanone Kaffeesatz Regular" panose="02000000000000000000" pitchFamily="2" charset="0"/>
                 <a:ea typeface="+mj-ea"/>
                 <a:cs typeface="+mj-cs"/>
               </a:rPr>
               <a:t>Trainer</a:t>
             </a:r>
-            <a:endParaRPr lang="en-US" sz="2400" dirty="0">
-              <a:latin typeface="Yanone Kaffeesatz SemiBold" pitchFamily="2" charset="0"/>
+            <a:endParaRPr lang="en-US" sz="2800" dirty="0">
+              <a:latin typeface="Yanone Kaffeesatz Regular" panose="02000000000000000000" pitchFamily="2" charset="0"/>
               <a:ea typeface="+mj-ea"/>
               <a:cs typeface="+mj-cs"/>
             </a:endParaRPr>
@@ -5263,7 +6313,7 @@
         <p:spPr>
           <a:xfrm>
             <a:off x="6536266" y="3669127"/>
-            <a:ext cx="1199367" cy="461665"/>
+            <a:ext cx="1401346" cy="523220"/>
           </a:xfrm>
           <a:prstGeom prst="rect">
             <a:avLst/>
@@ -5277,15 +6327,15 @@
           <a:lstStyle/>
           <a:p>
             <a:r>
-              <a:rPr lang="en-SG" sz="2400" dirty="0" err="1">
-                <a:latin typeface="Yanone Kaffeesatz SemiBold" pitchFamily="2" charset="0"/>
+              <a:rPr lang="en-SG" sz="2800" dirty="0" err="1">
+                <a:latin typeface="Yanone Kaffeesatz Regular" panose="02000000000000000000" pitchFamily="2" charset="0"/>
                 <a:ea typeface="+mj-ea"/>
                 <a:cs typeface="+mj-cs"/>
               </a:rPr>
               <a:t>FablabTech</a:t>
             </a:r>
-            <a:endParaRPr lang="en-US" sz="2400" dirty="0">
-              <a:latin typeface="Yanone Kaffeesatz SemiBold" pitchFamily="2" charset="0"/>
+            <a:endParaRPr lang="en-US" sz="2800" dirty="0">
+              <a:latin typeface="Yanone Kaffeesatz Regular" panose="02000000000000000000" pitchFamily="2" charset="0"/>
               <a:ea typeface="+mj-ea"/>
               <a:cs typeface="+mj-cs"/>
             </a:endParaRPr>
@@ -5493,7 +6543,7 @@
         <p:spPr>
           <a:xfrm>
             <a:off x="4712547" y="5408044"/>
-            <a:ext cx="1595309" cy="400110"/>
+            <a:ext cx="1641796" cy="400110"/>
           </a:xfrm>
           <a:prstGeom prst="rect">
             <a:avLst/>
@@ -5508,14 +6558,14 @@
           <a:p>
             <a:r>
               <a:rPr lang="en-SG" sz="2000" dirty="0">
-                <a:latin typeface="Yanone Kaffeesatz SemiBold" pitchFamily="2" charset="0"/>
+                <a:latin typeface="Yanone Kaffeesatz Regular" panose="02000000000000000000" pitchFamily="2" charset="0"/>
                 <a:ea typeface="+mj-ea"/>
                 <a:cs typeface="+mj-cs"/>
               </a:rPr>
               <a:t>Trainer-assistants</a:t>
             </a:r>
             <a:endParaRPr lang="en-US" sz="2000" dirty="0">
-              <a:latin typeface="Yanone Kaffeesatz SemiBold" pitchFamily="2" charset="0"/>
+              <a:latin typeface="Yanone Kaffeesatz Regular" panose="02000000000000000000" pitchFamily="2" charset="0"/>
               <a:ea typeface="+mj-ea"/>
               <a:cs typeface="+mj-cs"/>
             </a:endParaRPr>
@@ -5536,8 +6586,8 @@
         </p:nvSpPr>
         <p:spPr>
           <a:xfrm>
-            <a:off x="6980060" y="5408044"/>
-            <a:ext cx="1311578" cy="400110"/>
+            <a:off x="7046190" y="5395532"/>
+            <a:ext cx="1354858" cy="400110"/>
           </a:xfrm>
           <a:prstGeom prst="rect">
             <a:avLst/>
@@ -5552,14 +6602,14 @@
           <a:p>
             <a:r>
               <a:rPr lang="en-SG" sz="2000" dirty="0">
-                <a:latin typeface="Yanone Kaffeesatz SemiBold" pitchFamily="2" charset="0"/>
+                <a:latin typeface="Yanone Kaffeesatz Regular" panose="02000000000000000000" pitchFamily="2" charset="0"/>
                 <a:ea typeface="+mj-ea"/>
                 <a:cs typeface="+mj-cs"/>
               </a:rPr>
               <a:t>Lab-assistants</a:t>
             </a:r>
             <a:endParaRPr lang="en-US" sz="2000" dirty="0">
-              <a:latin typeface="Yanone Kaffeesatz SemiBold" pitchFamily="2" charset="0"/>
+              <a:latin typeface="Yanone Kaffeesatz Regular" panose="02000000000000000000" pitchFamily="2" charset="0"/>
               <a:ea typeface="+mj-ea"/>
               <a:cs typeface="+mj-cs"/>
             </a:endParaRPr>
@@ -5576,6 +6626,13 @@
   <p:clrMapOvr>
     <a:masterClrMapping/>
   </p:clrMapOvr>
+  <p:timing>
+    <p:tnLst>
+      <p:par>
+        <p:cTn id="1" dur="indefinite" restart="never" nodeType="tmRoot"/>
+      </p:par>
+    </p:tnLst>
+  </p:timing>
 </p:sld>
 </file>
 
@@ -5883,6 +6940,13 @@
   <p:clrMapOvr>
     <a:masterClrMapping/>
   </p:clrMapOvr>
+  <p:timing>
+    <p:tnLst>
+      <p:par>
+        <p:cTn id="1" dur="indefinite" restart="never" nodeType="tmRoot"/>
+      </p:par>
+    </p:tnLst>
+  </p:timing>
 </p:sld>
 </file>
 
@@ -6064,6 +7128,13 @@
   <p:clrMapOvr>
     <a:masterClrMapping/>
   </p:clrMapOvr>
+  <p:timing>
+    <p:tnLst>
+      <p:par>
+        <p:cTn id="1" dur="indefinite" restart="never" nodeType="tmRoot"/>
+      </p:par>
+    </p:tnLst>
+  </p:timing>
 </p:sld>
 </file>
 
@@ -6305,6 +7376,13 @@
   <p:clrMapOvr>
     <a:masterClrMapping/>
   </p:clrMapOvr>
+  <p:timing>
+    <p:tnLst>
+      <p:par>
+        <p:cTn id="1" dur="indefinite" restart="never" nodeType="tmRoot"/>
+      </p:par>
+    </p:tnLst>
+  </p:timing>
 </p:sld>
 </file>
 
@@ -6499,6 +7577,13 @@
   <p:clrMapOvr>
     <a:masterClrMapping/>
   </p:clrMapOvr>
+  <p:timing>
+    <p:tnLst>
+      <p:par>
+        <p:cTn id="1" dur="indefinite" restart="never" nodeType="tmRoot"/>
+      </p:par>
+    </p:tnLst>
+  </p:timing>
 </p:sld>
 </file>
 
@@ -6647,6 +7732,13 @@
   <p:clrMapOvr>
     <a:masterClrMapping/>
   </p:clrMapOvr>
+  <p:timing>
+    <p:tnLst>
+      <p:par>
+        <p:cTn id="1" dur="indefinite" restart="never" nodeType="tmRoot"/>
+      </p:par>
+    </p:tnLst>
+  </p:timing>
 </p:sld>
 </file>
 
